--- a/video captioning.pptx
+++ b/video captioning.pptx
@@ -261,7 +261,7 @@
           <a:p>
             <a:fld id="{B3E9DF8B-1922-4CFD-AE76-2CB21DF63613}" type="datetimeFigureOut">
               <a:rPr lang="tr-TR" smtClean="0"/>
-              <a:t>18.03.2021</a:t>
+              <a:t>20.04.2021</a:t>
             </a:fld>
             <a:endParaRPr lang="tr-TR"/>
           </a:p>
@@ -461,7 +461,7 @@
           <a:p>
             <a:fld id="{B3E9DF8B-1922-4CFD-AE76-2CB21DF63613}" type="datetimeFigureOut">
               <a:rPr lang="tr-TR" smtClean="0"/>
-              <a:t>18.03.2021</a:t>
+              <a:t>20.04.2021</a:t>
             </a:fld>
             <a:endParaRPr lang="tr-TR"/>
           </a:p>
@@ -671,7 +671,7 @@
           <a:p>
             <a:fld id="{B3E9DF8B-1922-4CFD-AE76-2CB21DF63613}" type="datetimeFigureOut">
               <a:rPr lang="tr-TR" smtClean="0"/>
-              <a:t>18.03.2021</a:t>
+              <a:t>20.04.2021</a:t>
             </a:fld>
             <a:endParaRPr lang="tr-TR"/>
           </a:p>
@@ -871,7 +871,7 @@
           <a:p>
             <a:fld id="{B3E9DF8B-1922-4CFD-AE76-2CB21DF63613}" type="datetimeFigureOut">
               <a:rPr lang="tr-TR" smtClean="0"/>
-              <a:t>18.03.2021</a:t>
+              <a:t>20.04.2021</a:t>
             </a:fld>
             <a:endParaRPr lang="tr-TR"/>
           </a:p>
@@ -1147,7 +1147,7 @@
           <a:p>
             <a:fld id="{B3E9DF8B-1922-4CFD-AE76-2CB21DF63613}" type="datetimeFigureOut">
               <a:rPr lang="tr-TR" smtClean="0"/>
-              <a:t>18.03.2021</a:t>
+              <a:t>20.04.2021</a:t>
             </a:fld>
             <a:endParaRPr lang="tr-TR"/>
           </a:p>
@@ -1415,7 +1415,7 @@
           <a:p>
             <a:fld id="{B3E9DF8B-1922-4CFD-AE76-2CB21DF63613}" type="datetimeFigureOut">
               <a:rPr lang="tr-TR" smtClean="0"/>
-              <a:t>18.03.2021</a:t>
+              <a:t>20.04.2021</a:t>
             </a:fld>
             <a:endParaRPr lang="tr-TR"/>
           </a:p>
@@ -1830,7 +1830,7 @@
           <a:p>
             <a:fld id="{B3E9DF8B-1922-4CFD-AE76-2CB21DF63613}" type="datetimeFigureOut">
               <a:rPr lang="tr-TR" smtClean="0"/>
-              <a:t>18.03.2021</a:t>
+              <a:t>20.04.2021</a:t>
             </a:fld>
             <a:endParaRPr lang="tr-TR"/>
           </a:p>
@@ -1972,7 +1972,7 @@
           <a:p>
             <a:fld id="{B3E9DF8B-1922-4CFD-AE76-2CB21DF63613}" type="datetimeFigureOut">
               <a:rPr lang="tr-TR" smtClean="0"/>
-              <a:t>18.03.2021</a:t>
+              <a:t>20.04.2021</a:t>
             </a:fld>
             <a:endParaRPr lang="tr-TR"/>
           </a:p>
@@ -2085,7 +2085,7 @@
           <a:p>
             <a:fld id="{B3E9DF8B-1922-4CFD-AE76-2CB21DF63613}" type="datetimeFigureOut">
               <a:rPr lang="tr-TR" smtClean="0"/>
-              <a:t>18.03.2021</a:t>
+              <a:t>20.04.2021</a:t>
             </a:fld>
             <a:endParaRPr lang="tr-TR"/>
           </a:p>
@@ -2398,7 +2398,7 @@
           <a:p>
             <a:fld id="{B3E9DF8B-1922-4CFD-AE76-2CB21DF63613}" type="datetimeFigureOut">
               <a:rPr lang="tr-TR" smtClean="0"/>
-              <a:t>18.03.2021</a:t>
+              <a:t>20.04.2021</a:t>
             </a:fld>
             <a:endParaRPr lang="tr-TR"/>
           </a:p>
@@ -2687,7 +2687,7 @@
           <a:p>
             <a:fld id="{B3E9DF8B-1922-4CFD-AE76-2CB21DF63613}" type="datetimeFigureOut">
               <a:rPr lang="tr-TR" smtClean="0"/>
-              <a:t>18.03.2021</a:t>
+              <a:t>20.04.2021</a:t>
             </a:fld>
             <a:endParaRPr lang="tr-TR"/>
           </a:p>
@@ -2930,7 +2930,7 @@
           <a:p>
             <a:fld id="{B3E9DF8B-1922-4CFD-AE76-2CB21DF63613}" type="datetimeFigureOut">
               <a:rPr lang="tr-TR" smtClean="0"/>
-              <a:t>18.03.2021</a:t>
+              <a:t>20.04.2021</a:t>
             </a:fld>
             <a:endParaRPr lang="tr-TR"/>
           </a:p>
@@ -3437,10 +3437,10 @@
         </p:nvGrpSpPr>
         <p:grpSpPr>
           <a:xfrm>
-            <a:off x="421785" y="623159"/>
-            <a:ext cx="3347465" cy="4386016"/>
+            <a:off x="272531" y="659220"/>
+            <a:ext cx="3673783" cy="4387902"/>
             <a:chOff x="421785" y="623159"/>
-            <a:chExt cx="3347465" cy="4386016"/>
+            <a:chExt cx="3673783" cy="4387902"/>
           </a:xfrm>
         </p:grpSpPr>
         <p:grpSp>
@@ -3563,6 +3563,7 @@
               </a:extLst>
             </p:cNvPr>
             <p:cNvCxnSpPr>
+              <a:cxnSpLocks/>
               <a:stCxn id="5" idx="3"/>
             </p:cNvCxnSpPr>
             <p:nvPr/>
@@ -3604,6 +3605,7 @@
               </a:extLst>
             </p:cNvPr>
             <p:cNvCxnSpPr>
+              <a:cxnSpLocks/>
               <a:stCxn id="5" idx="4"/>
             </p:cNvCxnSpPr>
             <p:nvPr/>
@@ -3645,6 +3647,7 @@
               </a:extLst>
             </p:cNvPr>
             <p:cNvCxnSpPr>
+              <a:cxnSpLocks/>
               <a:stCxn id="5" idx="5"/>
             </p:cNvCxnSpPr>
             <p:nvPr/>
@@ -3910,9 +3913,9 @@
           </p:nvGrpSpPr>
           <p:grpSpPr>
             <a:xfrm>
-              <a:off x="2709360" y="2231169"/>
+              <a:off x="3013861" y="2213963"/>
               <a:ext cx="1047565" cy="523782"/>
-              <a:chOff x="523783" y="2530136"/>
+              <a:chOff x="828284" y="2512930"/>
               <a:chExt cx="1047565" cy="523782"/>
             </a:xfrm>
           </p:grpSpPr>
@@ -3930,7 +3933,7 @@
             </p:nvSpPr>
             <p:spPr>
               <a:xfrm>
-                <a:off x="523783" y="2530136"/>
+                <a:off x="828284" y="2512930"/>
                 <a:ext cx="1047565" cy="523782"/>
               </a:xfrm>
               <a:prstGeom prst="rect">
@@ -3984,8 +3987,8 @@
             </p:nvSpPr>
             <p:spPr>
               <a:xfrm>
-                <a:off x="574487" y="2607361"/>
-                <a:ext cx="946156" cy="369332"/>
+                <a:off x="867910" y="2589717"/>
+                <a:ext cx="950966" cy="369332"/>
               </a:xfrm>
               <a:prstGeom prst="rect">
                 <a:avLst/>
@@ -3999,228 +4002,12 @@
               <a:lstStyle/>
               <a:p>
                 <a:r>
-                  <a:rPr lang="tr-TR" dirty="0"/>
-                  <a:t>Frame 3</a:t>
+                  <a:rPr lang="tr-TR" dirty="0" err="1"/>
+                  <a:t>Frame</a:t>
                 </a:r>
-              </a:p>
-            </p:txBody>
-          </p:sp>
-        </p:grpSp>
-        <p:grpSp>
-          <p:nvGrpSpPr>
-            <p:cNvPr id="25" name="Group 24">
-              <a:extLst>
-                <a:ext uri="{FF2B5EF4-FFF2-40B4-BE49-F238E27FC236}">
-                  <a16:creationId xmlns:a16="http://schemas.microsoft.com/office/drawing/2014/main" id="{B0847E0E-3B91-4EA4-9759-2B3F1DBED3E2}"/>
-                </a:ext>
-              </a:extLst>
-            </p:cNvPr>
-            <p:cNvGrpSpPr/>
-            <p:nvPr/>
-          </p:nvGrpSpPr>
-          <p:grpSpPr>
-            <a:xfrm>
-              <a:off x="434114" y="2985771"/>
-              <a:ext cx="1047565" cy="519345"/>
-              <a:chOff x="523783" y="3284738"/>
-              <a:chExt cx="1047565" cy="519345"/>
-            </a:xfrm>
-          </p:grpSpPr>
-          <p:sp>
-            <p:nvSpPr>
-              <p:cNvPr id="23" name="Rectangle 22">
-                <a:extLst>
-                  <a:ext uri="{FF2B5EF4-FFF2-40B4-BE49-F238E27FC236}">
-                    <a16:creationId xmlns:a16="http://schemas.microsoft.com/office/drawing/2014/main" id="{F51A04FE-BB71-4F93-8748-3C231120FAE5}"/>
-                  </a:ext>
-                </a:extLst>
-              </p:cNvPr>
-              <p:cNvSpPr/>
-              <p:nvPr/>
-            </p:nvSpPr>
-            <p:spPr>
-              <a:xfrm>
-                <a:off x="523783" y="3284738"/>
-                <a:ext cx="1047565" cy="519345"/>
-              </a:xfrm>
-              <a:prstGeom prst="rect">
-                <a:avLst/>
-              </a:prstGeom>
-              <a:noFill/>
-              <a:ln w="9525" cap="flat" cmpd="sng" algn="ctr">
-                <a:solidFill>
-                  <a:schemeClr val="accent2"/>
-                </a:solidFill>
-                <a:prstDash val="solid"/>
-                <a:round/>
-                <a:headEnd type="none" w="med" len="med"/>
-                <a:tailEnd type="none" w="med" len="med"/>
-              </a:ln>
-            </p:spPr>
-            <p:style>
-              <a:lnRef idx="0">
-                <a:scrgbClr r="0" g="0" b="0"/>
-              </a:lnRef>
-              <a:fillRef idx="0">
-                <a:scrgbClr r="0" g="0" b="0"/>
-              </a:fillRef>
-              <a:effectRef idx="0">
-                <a:scrgbClr r="0" g="0" b="0"/>
-              </a:effectRef>
-              <a:fontRef idx="minor">
-                <a:schemeClr val="accent2"/>
-              </a:fontRef>
-            </p:style>
-            <p:txBody>
-              <a:bodyPr rtlCol="0" anchor="ctr"/>
-              <a:lstStyle/>
-              <a:p>
-                <a:pPr algn="ctr"/>
-                <a:endParaRPr lang="tr-TR"/>
-              </a:p>
-            </p:txBody>
-          </p:sp>
-          <p:sp>
-            <p:nvSpPr>
-              <p:cNvPr id="24" name="TextBox 23">
-                <a:extLst>
-                  <a:ext uri="{FF2B5EF4-FFF2-40B4-BE49-F238E27FC236}">
-                    <a16:creationId xmlns:a16="http://schemas.microsoft.com/office/drawing/2014/main" id="{5BA8D197-47EC-4683-B569-C2C293E3BA49}"/>
-                  </a:ext>
-                </a:extLst>
-              </p:cNvPr>
-              <p:cNvSpPr txBox="1"/>
-              <p:nvPr/>
-            </p:nvSpPr>
-            <p:spPr>
-              <a:xfrm>
-                <a:off x="744437" y="3359744"/>
-                <a:ext cx="606256" cy="369332"/>
-              </a:xfrm>
-              <a:prstGeom prst="rect">
-                <a:avLst/>
-              </a:prstGeom>
-              <a:noFill/>
-            </p:spPr>
-            <p:txBody>
-              <a:bodyPr wrap="none" rtlCol="0">
-                <a:spAutoFit/>
-              </a:bodyPr>
-              <a:lstStyle/>
-              <a:p>
                 <a:r>
                   <a:rPr lang="tr-TR" dirty="0"/>
-                  <a:t>CNN</a:t>
-                </a:r>
-              </a:p>
-            </p:txBody>
-          </p:sp>
-        </p:grpSp>
-        <p:grpSp>
-          <p:nvGrpSpPr>
-            <p:cNvPr id="26" name="Group 25">
-              <a:extLst>
-                <a:ext uri="{FF2B5EF4-FFF2-40B4-BE49-F238E27FC236}">
-                  <a16:creationId xmlns:a16="http://schemas.microsoft.com/office/drawing/2014/main" id="{90D49454-8623-4005-B8B0-7552D604E701}"/>
-                </a:ext>
-              </a:extLst>
-            </p:cNvPr>
-            <p:cNvGrpSpPr/>
-            <p:nvPr/>
-          </p:nvGrpSpPr>
-          <p:grpSpPr>
-            <a:xfrm>
-              <a:off x="1571736" y="2985770"/>
-              <a:ext cx="1047565" cy="519345"/>
-              <a:chOff x="523783" y="3284738"/>
-              <a:chExt cx="1047565" cy="519345"/>
-            </a:xfrm>
-          </p:grpSpPr>
-          <p:sp>
-            <p:nvSpPr>
-              <p:cNvPr id="27" name="Rectangle 26">
-                <a:extLst>
-                  <a:ext uri="{FF2B5EF4-FFF2-40B4-BE49-F238E27FC236}">
-                    <a16:creationId xmlns:a16="http://schemas.microsoft.com/office/drawing/2014/main" id="{0175C29A-1D33-40AD-9E37-502DDC189C90}"/>
-                  </a:ext>
-                </a:extLst>
-              </p:cNvPr>
-              <p:cNvSpPr/>
-              <p:nvPr/>
-            </p:nvSpPr>
-            <p:spPr>
-              <a:xfrm>
-                <a:off x="523783" y="3284738"/>
-                <a:ext cx="1047565" cy="519345"/>
-              </a:xfrm>
-              <a:prstGeom prst="rect">
-                <a:avLst/>
-              </a:prstGeom>
-              <a:noFill/>
-              <a:ln w="9525" cap="flat" cmpd="sng" algn="ctr">
-                <a:solidFill>
-                  <a:schemeClr val="accent2"/>
-                </a:solidFill>
-                <a:prstDash val="solid"/>
-                <a:round/>
-                <a:headEnd type="none" w="med" len="med"/>
-                <a:tailEnd type="none" w="med" len="med"/>
-              </a:ln>
-            </p:spPr>
-            <p:style>
-              <a:lnRef idx="0">
-                <a:scrgbClr r="0" g="0" b="0"/>
-              </a:lnRef>
-              <a:fillRef idx="0">
-                <a:scrgbClr r="0" g="0" b="0"/>
-              </a:fillRef>
-              <a:effectRef idx="0">
-                <a:scrgbClr r="0" g="0" b="0"/>
-              </a:effectRef>
-              <a:fontRef idx="minor">
-                <a:schemeClr val="accent2"/>
-              </a:fontRef>
-            </p:style>
-            <p:txBody>
-              <a:bodyPr rtlCol="0" anchor="ctr"/>
-              <a:lstStyle/>
-              <a:p>
-                <a:pPr algn="ctr"/>
-                <a:endParaRPr lang="tr-TR"/>
-              </a:p>
-            </p:txBody>
-          </p:sp>
-          <p:sp>
-            <p:nvSpPr>
-              <p:cNvPr id="28" name="TextBox 27">
-                <a:extLst>
-                  <a:ext uri="{FF2B5EF4-FFF2-40B4-BE49-F238E27FC236}">
-                    <a16:creationId xmlns:a16="http://schemas.microsoft.com/office/drawing/2014/main" id="{4E1D784C-CF8A-4A9C-99AD-3FA23264734A}"/>
-                  </a:ext>
-                </a:extLst>
-              </p:cNvPr>
-              <p:cNvSpPr txBox="1"/>
-              <p:nvPr/>
-            </p:nvSpPr>
-            <p:spPr>
-              <a:xfrm>
-                <a:off x="744437" y="3359744"/>
-                <a:ext cx="606256" cy="369332"/>
-              </a:xfrm>
-              <a:prstGeom prst="rect">
-                <a:avLst/>
-              </a:prstGeom>
-              <a:noFill/>
-            </p:spPr>
-            <p:txBody>
-              <a:bodyPr wrap="none" rtlCol="0">
-                <a:spAutoFit/>
-              </a:bodyPr>
-              <a:lstStyle/>
-              <a:p>
-                <a:r>
-                  <a:rPr lang="tr-TR" dirty="0"/>
-                  <a:t>CNN</a:t>
+                  <a:t> n</a:t>
                 </a:r>
               </a:p>
             </p:txBody>
@@ -4240,10 +4027,10 @@
           </p:nvGrpSpPr>
           <p:grpSpPr>
             <a:xfrm>
-              <a:off x="2709360" y="2985770"/>
-              <a:ext cx="1047565" cy="519345"/>
-              <a:chOff x="523783" y="3284738"/>
-              <a:chExt cx="1047565" cy="519345"/>
+              <a:off x="421786" y="2985770"/>
+              <a:ext cx="3673782" cy="519345"/>
+              <a:chOff x="-1763791" y="3284738"/>
+              <a:chExt cx="3673782" cy="519345"/>
             </a:xfrm>
           </p:grpSpPr>
           <p:sp>
@@ -4260,8 +4047,8 @@
             </p:nvSpPr>
             <p:spPr>
               <a:xfrm>
-                <a:off x="523783" y="3284738"/>
-                <a:ext cx="1047565" cy="519345"/>
+                <a:off x="-1763791" y="3284738"/>
+                <a:ext cx="3673782" cy="519345"/>
               </a:xfrm>
               <a:prstGeom prst="rect">
                 <a:avLst/>
@@ -4314,8 +4101,8 @@
             </p:nvSpPr>
             <p:spPr>
               <a:xfrm>
-                <a:off x="744437" y="3359744"/>
-                <a:ext cx="606256" cy="369332"/>
+                <a:off x="-611534" y="3348647"/>
+                <a:ext cx="1345818" cy="369332"/>
               </a:xfrm>
               <a:prstGeom prst="rect">
                 <a:avLst/>
@@ -4329,8 +4116,12 @@
               <a:lstStyle/>
               <a:p>
                 <a:r>
+                  <a:rPr lang="tr-TR" dirty="0" err="1"/>
+                  <a:t>Inception</a:t>
+                </a:r>
+                <a:r>
                   <a:rPr lang="tr-TR" dirty="0"/>
-                  <a:t>CNN</a:t>
+                  <a:t> v3</a:t>
                 </a:r>
               </a:p>
             </p:txBody>
@@ -4350,10 +4141,10 @@
           </p:nvGrpSpPr>
           <p:grpSpPr>
             <a:xfrm>
-              <a:off x="886875" y="2811090"/>
-              <a:ext cx="2435043" cy="97456"/>
-              <a:chOff x="976544" y="3110057"/>
-              <a:chExt cx="2435043" cy="97456"/>
+              <a:off x="886875" y="2811089"/>
+              <a:ext cx="2654581" cy="97457"/>
+              <a:chOff x="976544" y="3110056"/>
+              <a:chExt cx="2654581" cy="97457"/>
             </a:xfrm>
           </p:grpSpPr>
           <p:sp>
@@ -4462,7 +4253,7 @@
             </p:nvSpPr>
             <p:spPr>
               <a:xfrm>
-                <a:off x="3234034" y="3110058"/>
+                <a:off x="3453572" y="3110056"/>
                 <a:ext cx="177553" cy="91451"/>
               </a:xfrm>
               <a:prstGeom prst="downArrow">
@@ -4509,10 +4300,10 @@
           </p:nvGrpSpPr>
           <p:grpSpPr>
             <a:xfrm>
-              <a:off x="421785" y="3738893"/>
-              <a:ext cx="3347465" cy="519345"/>
-              <a:chOff x="511454" y="4037860"/>
-              <a:chExt cx="3347465" cy="519345"/>
+              <a:off x="421785" y="3712716"/>
+              <a:ext cx="3673783" cy="545522"/>
+              <a:chOff x="511454" y="4011683"/>
+              <a:chExt cx="3673783" cy="545522"/>
             </a:xfrm>
           </p:grpSpPr>
           <p:sp>
@@ -4637,7 +4428,7 @@
             </p:nvSpPr>
             <p:spPr>
               <a:xfrm>
-                <a:off x="2799027" y="4037860"/>
+                <a:off x="3100695" y="4011683"/>
                 <a:ext cx="1047565" cy="519345"/>
               </a:xfrm>
               <a:prstGeom prst="rect">
@@ -4761,7 +4552,7 @@
             </p:nvSpPr>
             <p:spPr>
               <a:xfrm>
-                <a:off x="2786702" y="4112866"/>
+                <a:off x="3113020" y="4085140"/>
                 <a:ext cx="1072217" cy="369332"/>
               </a:xfrm>
               <a:prstGeom prst="rect">
@@ -4776,228 +4567,12 @@
               <a:lstStyle/>
               <a:p>
                 <a:r>
-                  <a:rPr lang="tr-TR" dirty="0"/>
-                  <a:t>Feature 3</a:t>
+                  <a:rPr lang="tr-TR" dirty="0" err="1"/>
+                  <a:t>Feature</a:t>
                 </a:r>
-              </a:p>
-            </p:txBody>
-          </p:sp>
-        </p:grpSp>
-        <p:grpSp>
-          <p:nvGrpSpPr>
-            <p:cNvPr id="12" name="Group 11">
-              <a:extLst>
-                <a:ext uri="{FF2B5EF4-FFF2-40B4-BE49-F238E27FC236}">
-                  <a16:creationId xmlns:a16="http://schemas.microsoft.com/office/drawing/2014/main" id="{0CEA06C4-0544-4A79-8C2E-1D69E91E69A6}"/>
-                </a:ext>
-              </a:extLst>
-            </p:cNvPr>
-            <p:cNvGrpSpPr/>
-            <p:nvPr/>
-          </p:nvGrpSpPr>
-          <p:grpSpPr>
-            <a:xfrm>
-              <a:off x="434112" y="4488032"/>
-              <a:ext cx="1047565" cy="519345"/>
-              <a:chOff x="523781" y="4786999"/>
-              <a:chExt cx="1047565" cy="519345"/>
-            </a:xfrm>
-          </p:grpSpPr>
-          <p:sp>
-            <p:nvSpPr>
-              <p:cNvPr id="39" name="Rectangle 38">
-                <a:extLst>
-                  <a:ext uri="{FF2B5EF4-FFF2-40B4-BE49-F238E27FC236}">
-                    <a16:creationId xmlns:a16="http://schemas.microsoft.com/office/drawing/2014/main" id="{FCB4A303-3D4C-4847-9DD8-07286DEAF27D}"/>
-                  </a:ext>
-                </a:extLst>
-              </p:cNvPr>
-              <p:cNvSpPr/>
-              <p:nvPr/>
-            </p:nvSpPr>
-            <p:spPr>
-              <a:xfrm>
-                <a:off x="523781" y="4786999"/>
-                <a:ext cx="1047565" cy="519345"/>
-              </a:xfrm>
-              <a:prstGeom prst="rect">
-                <a:avLst/>
-              </a:prstGeom>
-              <a:noFill/>
-              <a:ln w="9525" cap="flat" cmpd="sng" algn="ctr">
-                <a:solidFill>
-                  <a:schemeClr val="accent4"/>
-                </a:solidFill>
-                <a:prstDash val="solid"/>
-                <a:round/>
-                <a:headEnd type="none" w="med" len="med"/>
-                <a:tailEnd type="none" w="med" len="med"/>
-              </a:ln>
-            </p:spPr>
-            <p:style>
-              <a:lnRef idx="0">
-                <a:scrgbClr r="0" g="0" b="0"/>
-              </a:lnRef>
-              <a:fillRef idx="0">
-                <a:scrgbClr r="0" g="0" b="0"/>
-              </a:fillRef>
-              <a:effectRef idx="0">
-                <a:scrgbClr r="0" g="0" b="0"/>
-              </a:effectRef>
-              <a:fontRef idx="minor">
-                <a:schemeClr val="accent4"/>
-              </a:fontRef>
-            </p:style>
-            <p:txBody>
-              <a:bodyPr rtlCol="0" anchor="ctr"/>
-              <a:lstStyle/>
-              <a:p>
-                <a:pPr algn="ctr"/>
-                <a:endParaRPr lang="tr-TR"/>
-              </a:p>
-            </p:txBody>
-          </p:sp>
-          <p:sp>
-            <p:nvSpPr>
-              <p:cNvPr id="10" name="TextBox 9">
-                <a:extLst>
-                  <a:ext uri="{FF2B5EF4-FFF2-40B4-BE49-F238E27FC236}">
-                    <a16:creationId xmlns:a16="http://schemas.microsoft.com/office/drawing/2014/main" id="{43998C68-F226-4834-ADEE-E25BC97F828C}"/>
-                  </a:ext>
-                </a:extLst>
-              </p:cNvPr>
-              <p:cNvSpPr txBox="1"/>
-              <p:nvPr/>
-            </p:nvSpPr>
-            <p:spPr>
-              <a:xfrm>
-                <a:off x="744437" y="4854151"/>
-                <a:ext cx="603050" cy="369332"/>
-              </a:xfrm>
-              <a:prstGeom prst="rect">
-                <a:avLst/>
-              </a:prstGeom>
-              <a:noFill/>
-            </p:spPr>
-            <p:txBody>
-              <a:bodyPr wrap="none" rtlCol="0">
-                <a:spAutoFit/>
-              </a:bodyPr>
-              <a:lstStyle/>
-              <a:p>
                 <a:r>
                   <a:rPr lang="tr-TR" dirty="0"/>
-                  <a:t>GRU</a:t>
-                </a:r>
-              </a:p>
-            </p:txBody>
-          </p:sp>
-        </p:grpSp>
-        <p:grpSp>
-          <p:nvGrpSpPr>
-            <p:cNvPr id="40" name="Group 39">
-              <a:extLst>
-                <a:ext uri="{FF2B5EF4-FFF2-40B4-BE49-F238E27FC236}">
-                  <a16:creationId xmlns:a16="http://schemas.microsoft.com/office/drawing/2014/main" id="{CD2B4061-E1C6-4104-882D-0B0C953188C7}"/>
-                </a:ext>
-              </a:extLst>
-            </p:cNvPr>
-            <p:cNvGrpSpPr/>
-            <p:nvPr/>
-          </p:nvGrpSpPr>
-          <p:grpSpPr>
-            <a:xfrm>
-              <a:off x="1571735" y="4489830"/>
-              <a:ext cx="1047565" cy="519345"/>
-              <a:chOff x="523781" y="4786999"/>
-              <a:chExt cx="1047565" cy="519345"/>
-            </a:xfrm>
-          </p:grpSpPr>
-          <p:sp>
-            <p:nvSpPr>
-              <p:cNvPr id="41" name="Rectangle 40">
-                <a:extLst>
-                  <a:ext uri="{FF2B5EF4-FFF2-40B4-BE49-F238E27FC236}">
-                    <a16:creationId xmlns:a16="http://schemas.microsoft.com/office/drawing/2014/main" id="{03A68947-2019-4F38-BAAF-973A70718955}"/>
-                  </a:ext>
-                </a:extLst>
-              </p:cNvPr>
-              <p:cNvSpPr/>
-              <p:nvPr/>
-            </p:nvSpPr>
-            <p:spPr>
-              <a:xfrm>
-                <a:off x="523781" y="4786999"/>
-                <a:ext cx="1047565" cy="519345"/>
-              </a:xfrm>
-              <a:prstGeom prst="rect">
-                <a:avLst/>
-              </a:prstGeom>
-              <a:noFill/>
-              <a:ln w="9525" cap="flat" cmpd="sng" algn="ctr">
-                <a:solidFill>
-                  <a:schemeClr val="accent4"/>
-                </a:solidFill>
-                <a:prstDash val="solid"/>
-                <a:round/>
-                <a:headEnd type="none" w="med" len="med"/>
-                <a:tailEnd type="none" w="med" len="med"/>
-              </a:ln>
-            </p:spPr>
-            <p:style>
-              <a:lnRef idx="0">
-                <a:scrgbClr r="0" g="0" b="0"/>
-              </a:lnRef>
-              <a:fillRef idx="0">
-                <a:scrgbClr r="0" g="0" b="0"/>
-              </a:fillRef>
-              <a:effectRef idx="0">
-                <a:scrgbClr r="0" g="0" b="0"/>
-              </a:effectRef>
-              <a:fontRef idx="minor">
-                <a:schemeClr val="accent4"/>
-              </a:fontRef>
-            </p:style>
-            <p:txBody>
-              <a:bodyPr rtlCol="0" anchor="ctr"/>
-              <a:lstStyle/>
-              <a:p>
-                <a:pPr algn="ctr"/>
-                <a:endParaRPr lang="tr-TR"/>
-              </a:p>
-            </p:txBody>
-          </p:sp>
-          <p:sp>
-            <p:nvSpPr>
-              <p:cNvPr id="42" name="TextBox 41">
-                <a:extLst>
-                  <a:ext uri="{FF2B5EF4-FFF2-40B4-BE49-F238E27FC236}">
-                    <a16:creationId xmlns:a16="http://schemas.microsoft.com/office/drawing/2014/main" id="{4BC052CF-8B44-49FF-942A-4F83EC692497}"/>
-                  </a:ext>
-                </a:extLst>
-              </p:cNvPr>
-              <p:cNvSpPr txBox="1"/>
-              <p:nvPr/>
-            </p:nvSpPr>
-            <p:spPr>
-              <a:xfrm>
-                <a:off x="744437" y="4854151"/>
-                <a:ext cx="603050" cy="369332"/>
-              </a:xfrm>
-              <a:prstGeom prst="rect">
-                <a:avLst/>
-              </a:prstGeom>
-              <a:noFill/>
-            </p:spPr>
-            <p:txBody>
-              <a:bodyPr wrap="none" rtlCol="0">
-                <a:spAutoFit/>
-              </a:bodyPr>
-              <a:lstStyle/>
-              <a:p>
-                <a:r>
-                  <a:rPr lang="tr-TR" dirty="0"/>
-                  <a:t>GRU</a:t>
+                  <a:t> n</a:t>
                 </a:r>
               </a:p>
             </p:txBody>
@@ -5017,10 +4592,10 @@
           </p:nvGrpSpPr>
           <p:grpSpPr>
             <a:xfrm>
-              <a:off x="2709358" y="4488808"/>
-              <a:ext cx="1047565" cy="519345"/>
-              <a:chOff x="523781" y="4786999"/>
-              <a:chExt cx="1047565" cy="519345"/>
+              <a:off x="434112" y="4491716"/>
+              <a:ext cx="3624479" cy="519345"/>
+              <a:chOff x="-1751465" y="4789907"/>
+              <a:chExt cx="3624479" cy="519345"/>
             </a:xfrm>
           </p:grpSpPr>
           <p:sp>
@@ -5037,8 +4612,8 @@
             </p:nvSpPr>
             <p:spPr>
               <a:xfrm>
-                <a:off x="523781" y="4786999"/>
-                <a:ext cx="1047565" cy="519345"/>
+                <a:off x="-1751465" y="4789907"/>
+                <a:ext cx="3624479" cy="519345"/>
               </a:xfrm>
               <a:prstGeom prst="rect">
                 <a:avLst/>
@@ -5091,7 +4666,7 @@
             </p:nvSpPr>
             <p:spPr>
               <a:xfrm>
-                <a:off x="744437" y="4854151"/>
+                <a:off x="-440639" y="4879383"/>
                 <a:ext cx="603050" cy="369332"/>
               </a:xfrm>
               <a:prstGeom prst="rect">
@@ -5127,10 +4702,10 @@
           </p:nvGrpSpPr>
           <p:grpSpPr>
             <a:xfrm>
-              <a:off x="886875" y="3585345"/>
-              <a:ext cx="2435043" cy="97456"/>
-              <a:chOff x="976544" y="3110057"/>
-              <a:chExt cx="2435043" cy="97456"/>
+              <a:off x="886875" y="3575669"/>
+              <a:ext cx="2654580" cy="107132"/>
+              <a:chOff x="976544" y="3100381"/>
+              <a:chExt cx="2654580" cy="107132"/>
             </a:xfrm>
           </p:grpSpPr>
           <p:sp>
@@ -5221,7 +4796,7 @@
               <a:lstStyle/>
               <a:p>
                 <a:pPr algn="ctr"/>
-                <a:endParaRPr lang="tr-TR"/>
+                <a:endParaRPr lang="tr-TR" dirty="0"/>
               </a:p>
             </p:txBody>
           </p:sp>
@@ -5239,166 +4814,7 @@
             </p:nvSpPr>
             <p:spPr>
               <a:xfrm>
-                <a:off x="3234034" y="3110058"/>
-                <a:ext cx="177553" cy="91451"/>
-              </a:xfrm>
-              <a:prstGeom prst="downArrow">
-                <a:avLst/>
-              </a:prstGeom>
-            </p:spPr>
-            <p:style>
-              <a:lnRef idx="2">
-                <a:schemeClr val="accent6">
-                  <a:shade val="50000"/>
-                </a:schemeClr>
-              </a:lnRef>
-              <a:fillRef idx="1">
-                <a:schemeClr val="accent6"/>
-              </a:fillRef>
-              <a:effectRef idx="0">
-                <a:schemeClr val="accent6"/>
-              </a:effectRef>
-              <a:fontRef idx="minor">
-                <a:schemeClr val="lt1"/>
-              </a:fontRef>
-            </p:style>
-            <p:txBody>
-              <a:bodyPr rtlCol="0" anchor="ctr"/>
-              <a:lstStyle/>
-              <a:p>
-                <a:pPr algn="ctr"/>
-                <a:endParaRPr lang="tr-TR"/>
-              </a:p>
-            </p:txBody>
-          </p:sp>
-        </p:grpSp>
-        <p:grpSp>
-          <p:nvGrpSpPr>
-            <p:cNvPr id="62" name="Group 61">
-              <a:extLst>
-                <a:ext uri="{FF2B5EF4-FFF2-40B4-BE49-F238E27FC236}">
-                  <a16:creationId xmlns:a16="http://schemas.microsoft.com/office/drawing/2014/main" id="{F5F8A76A-1F53-42C2-9DC4-6943A2480B32}"/>
-                </a:ext>
-              </a:extLst>
-            </p:cNvPr>
-            <p:cNvGrpSpPr/>
-            <p:nvPr/>
-          </p:nvGrpSpPr>
-          <p:grpSpPr>
-            <a:xfrm>
-              <a:off x="875505" y="4323303"/>
-              <a:ext cx="2435043" cy="97456"/>
-              <a:chOff x="976544" y="3110057"/>
-              <a:chExt cx="2435043" cy="97456"/>
-            </a:xfrm>
-          </p:grpSpPr>
-          <p:sp>
-            <p:nvSpPr>
-              <p:cNvPr id="63" name="Arrow: Down 62">
-                <a:extLst>
-                  <a:ext uri="{FF2B5EF4-FFF2-40B4-BE49-F238E27FC236}">
-                    <a16:creationId xmlns:a16="http://schemas.microsoft.com/office/drawing/2014/main" id="{5F9E2D86-D80E-43CE-8907-AE7C0D6D5417}"/>
-                  </a:ext>
-                </a:extLst>
-              </p:cNvPr>
-              <p:cNvSpPr/>
-              <p:nvPr/>
-            </p:nvSpPr>
-            <p:spPr>
-              <a:xfrm>
-                <a:off x="976544" y="3116062"/>
-                <a:ext cx="177553" cy="91451"/>
-              </a:xfrm>
-              <a:prstGeom prst="downArrow">
-                <a:avLst/>
-              </a:prstGeom>
-            </p:spPr>
-            <p:style>
-              <a:lnRef idx="2">
-                <a:schemeClr val="accent6">
-                  <a:shade val="50000"/>
-                </a:schemeClr>
-              </a:lnRef>
-              <a:fillRef idx="1">
-                <a:schemeClr val="accent6"/>
-              </a:fillRef>
-              <a:effectRef idx="0">
-                <a:schemeClr val="accent6"/>
-              </a:effectRef>
-              <a:fontRef idx="minor">
-                <a:schemeClr val="lt1"/>
-              </a:fontRef>
-            </p:style>
-            <p:txBody>
-              <a:bodyPr rtlCol="0" anchor="ctr"/>
-              <a:lstStyle/>
-              <a:p>
-                <a:pPr algn="ctr"/>
-                <a:endParaRPr lang="tr-TR"/>
-              </a:p>
-            </p:txBody>
-          </p:sp>
-          <p:sp>
-            <p:nvSpPr>
-              <p:cNvPr id="64" name="Arrow: Down 63">
-                <a:extLst>
-                  <a:ext uri="{FF2B5EF4-FFF2-40B4-BE49-F238E27FC236}">
-                    <a16:creationId xmlns:a16="http://schemas.microsoft.com/office/drawing/2014/main" id="{32EE7348-F603-47F8-BFE7-DD3555D4EEBD}"/>
-                  </a:ext>
-                </a:extLst>
-              </p:cNvPr>
-              <p:cNvSpPr/>
-              <p:nvPr/>
-            </p:nvSpPr>
-            <p:spPr>
-              <a:xfrm>
-                <a:off x="2105289" y="3110057"/>
-                <a:ext cx="177553" cy="91451"/>
-              </a:xfrm>
-              <a:prstGeom prst="downArrow">
-                <a:avLst/>
-              </a:prstGeom>
-            </p:spPr>
-            <p:style>
-              <a:lnRef idx="2">
-                <a:schemeClr val="accent6">
-                  <a:shade val="50000"/>
-                </a:schemeClr>
-              </a:lnRef>
-              <a:fillRef idx="1">
-                <a:schemeClr val="accent6"/>
-              </a:fillRef>
-              <a:effectRef idx="0">
-                <a:schemeClr val="accent6"/>
-              </a:effectRef>
-              <a:fontRef idx="minor">
-                <a:schemeClr val="lt1"/>
-              </a:fontRef>
-            </p:style>
-            <p:txBody>
-              <a:bodyPr rtlCol="0" anchor="ctr"/>
-              <a:lstStyle/>
-              <a:p>
-                <a:pPr algn="ctr"/>
-                <a:endParaRPr lang="tr-TR"/>
-              </a:p>
-            </p:txBody>
-          </p:sp>
-          <p:sp>
-            <p:nvSpPr>
-              <p:cNvPr id="65" name="Arrow: Down 64">
-                <a:extLst>
-                  <a:ext uri="{FF2B5EF4-FFF2-40B4-BE49-F238E27FC236}">
-                    <a16:creationId xmlns:a16="http://schemas.microsoft.com/office/drawing/2014/main" id="{7E7813C8-3785-49DC-B49E-978A2AB31ABD}"/>
-                  </a:ext>
-                </a:extLst>
-              </p:cNvPr>
-              <p:cNvSpPr/>
-              <p:nvPr/>
-            </p:nvSpPr>
-            <p:spPr>
-              <a:xfrm>
-                <a:off x="3234034" y="3110058"/>
+                <a:off x="3453571" y="3100381"/>
                 <a:ext cx="177553" cy="91451"/>
               </a:xfrm>
               <a:prstGeom prst="downArrow">
@@ -5446,7 +4862,7 @@
         </p:nvSpPr>
         <p:spPr>
           <a:xfrm>
-            <a:off x="4169249" y="4492952"/>
+            <a:off x="4458870" y="4467240"/>
             <a:ext cx="1047564" cy="519345"/>
           </a:xfrm>
           <a:prstGeom prst="ellipse">
@@ -5493,7 +4909,7 @@
         </p:nvSpPr>
         <p:spPr>
           <a:xfrm>
-            <a:off x="3793467" y="4593460"/>
+            <a:off x="3966779" y="4562259"/>
             <a:ext cx="325991" cy="296376"/>
           </a:xfrm>
           <a:prstGeom prst="rightArrow">
@@ -5539,7 +4955,7 @@
         </p:nvGrpSpPr>
         <p:grpSpPr>
           <a:xfrm>
-            <a:off x="5608591" y="2704508"/>
+            <a:off x="6111533" y="2643783"/>
             <a:ext cx="5363763" cy="4023680"/>
             <a:chOff x="5608591" y="2704508"/>
             <a:chExt cx="5363763" cy="4023680"/>
@@ -7343,7 +6759,7 @@
         </p:nvSpPr>
         <p:spPr>
           <a:xfrm>
-            <a:off x="5257743" y="4593460"/>
+            <a:off x="5547364" y="4567748"/>
             <a:ext cx="325991" cy="296376"/>
           </a:xfrm>
           <a:prstGeom prst="rightArrow">
@@ -7389,7 +6805,7 @@
         </p:nvSpPr>
         <p:spPr>
           <a:xfrm>
-            <a:off x="7653654" y="2255468"/>
+            <a:off x="8199001" y="2201169"/>
             <a:ext cx="1274708" cy="369332"/>
           </a:xfrm>
           <a:prstGeom prst="rect">
@@ -7410,6 +6826,320 @@
               </a:rPr>
               <a:t>DECODER</a:t>
             </a:r>
+          </a:p>
+        </p:txBody>
+      </p:sp>
+      <p:sp>
+        <p:nvSpPr>
+          <p:cNvPr id="8" name="Metin kutusu 7">
+            <a:extLst>
+              <a:ext uri="{FF2B5EF4-FFF2-40B4-BE49-F238E27FC236}">
+                <a16:creationId xmlns:a16="http://schemas.microsoft.com/office/drawing/2014/main" id="{CB95E447-7A53-434C-9642-36A479FA75F6}"/>
+              </a:ext>
+            </a:extLst>
+          </p:cNvPr>
+          <p:cNvSpPr txBox="1"/>
+          <p:nvPr/>
+        </p:nvSpPr>
+        <p:spPr>
+          <a:xfrm>
+            <a:off x="2537985" y="2292875"/>
+            <a:ext cx="343364" cy="369332"/>
+          </a:xfrm>
+          <a:prstGeom prst="rect">
+            <a:avLst/>
+          </a:prstGeom>
+          <a:noFill/>
+        </p:spPr>
+        <p:txBody>
+          <a:bodyPr wrap="none" rtlCol="0">
+            <a:spAutoFit/>
+          </a:bodyPr>
+          <a:lstStyle/>
+          <a:p>
+            <a:r>
+              <a:rPr lang="tr-TR" dirty="0"/>
+              <a:t>…</a:t>
+            </a:r>
+          </a:p>
+        </p:txBody>
+      </p:sp>
+      <p:sp>
+        <p:nvSpPr>
+          <p:cNvPr id="117" name="Metin kutusu 116">
+            <a:extLst>
+              <a:ext uri="{FF2B5EF4-FFF2-40B4-BE49-F238E27FC236}">
+                <a16:creationId xmlns:a16="http://schemas.microsoft.com/office/drawing/2014/main" id="{BC6C22F3-8340-45A9-958D-0161DD56EF6F}"/>
+              </a:ext>
+            </a:extLst>
+          </p:cNvPr>
+          <p:cNvSpPr txBox="1"/>
+          <p:nvPr/>
+        </p:nvSpPr>
+        <p:spPr>
+          <a:xfrm>
+            <a:off x="2512815" y="3765704"/>
+            <a:ext cx="343364" cy="369332"/>
+          </a:xfrm>
+          <a:prstGeom prst="rect">
+            <a:avLst/>
+          </a:prstGeom>
+          <a:noFill/>
+        </p:spPr>
+        <p:txBody>
+          <a:bodyPr wrap="none" rtlCol="0">
+            <a:spAutoFit/>
+          </a:bodyPr>
+          <a:lstStyle/>
+          <a:p>
+            <a:r>
+              <a:rPr lang="tr-TR" dirty="0"/>
+              <a:t>…</a:t>
+            </a:r>
+          </a:p>
+        </p:txBody>
+      </p:sp>
+      <p:sp>
+        <p:nvSpPr>
+          <p:cNvPr id="119" name="Arrow: Down 58">
+            <a:extLst>
+              <a:ext uri="{FF2B5EF4-FFF2-40B4-BE49-F238E27FC236}">
+                <a16:creationId xmlns:a16="http://schemas.microsoft.com/office/drawing/2014/main" id="{7A776009-410C-4D7C-A632-57A149354140}"/>
+              </a:ext>
+            </a:extLst>
+          </p:cNvPr>
+          <p:cNvSpPr/>
+          <p:nvPr/>
+        </p:nvSpPr>
+        <p:spPr>
+          <a:xfrm>
+            <a:off x="737621" y="4351941"/>
+            <a:ext cx="177553" cy="91451"/>
+          </a:xfrm>
+          <a:prstGeom prst="downArrow">
+            <a:avLst/>
+          </a:prstGeom>
+        </p:spPr>
+        <p:style>
+          <a:lnRef idx="2">
+            <a:schemeClr val="accent6">
+              <a:shade val="50000"/>
+            </a:schemeClr>
+          </a:lnRef>
+          <a:fillRef idx="1">
+            <a:schemeClr val="accent6"/>
+          </a:fillRef>
+          <a:effectRef idx="0">
+            <a:schemeClr val="accent6"/>
+          </a:effectRef>
+          <a:fontRef idx="minor">
+            <a:schemeClr val="lt1"/>
+          </a:fontRef>
+        </p:style>
+        <p:txBody>
+          <a:bodyPr rtlCol="0" anchor="ctr"/>
+          <a:lstStyle/>
+          <a:p>
+            <a:pPr algn="ctr"/>
+            <a:endParaRPr lang="tr-TR"/>
+          </a:p>
+        </p:txBody>
+      </p:sp>
+      <p:sp>
+        <p:nvSpPr>
+          <p:cNvPr id="120" name="Arrow: Down 58">
+            <a:extLst>
+              <a:ext uri="{FF2B5EF4-FFF2-40B4-BE49-F238E27FC236}">
+                <a16:creationId xmlns:a16="http://schemas.microsoft.com/office/drawing/2014/main" id="{9AC0F8F2-BFA0-4552-AEF4-E68D95E6C839}"/>
+              </a:ext>
+            </a:extLst>
+          </p:cNvPr>
+          <p:cNvSpPr/>
+          <p:nvPr/>
+        </p:nvSpPr>
+        <p:spPr>
+          <a:xfrm>
+            <a:off x="1857486" y="4367793"/>
+            <a:ext cx="177553" cy="91451"/>
+          </a:xfrm>
+          <a:prstGeom prst="downArrow">
+            <a:avLst/>
+          </a:prstGeom>
+        </p:spPr>
+        <p:style>
+          <a:lnRef idx="2">
+            <a:schemeClr val="accent6">
+              <a:shade val="50000"/>
+            </a:schemeClr>
+          </a:lnRef>
+          <a:fillRef idx="1">
+            <a:schemeClr val="accent6"/>
+          </a:fillRef>
+          <a:effectRef idx="0">
+            <a:schemeClr val="accent6"/>
+          </a:effectRef>
+          <a:fontRef idx="minor">
+            <a:schemeClr val="lt1"/>
+          </a:fontRef>
+        </p:style>
+        <p:txBody>
+          <a:bodyPr rtlCol="0" anchor="ctr"/>
+          <a:lstStyle/>
+          <a:p>
+            <a:pPr algn="ctr"/>
+            <a:endParaRPr lang="tr-TR"/>
+          </a:p>
+        </p:txBody>
+      </p:sp>
+      <p:sp>
+        <p:nvSpPr>
+          <p:cNvPr id="121" name="Arrow: Down 58">
+            <a:extLst>
+              <a:ext uri="{FF2B5EF4-FFF2-40B4-BE49-F238E27FC236}">
+                <a16:creationId xmlns:a16="http://schemas.microsoft.com/office/drawing/2014/main" id="{A5CBA555-5550-46BF-AC85-B45EDA1F74AF}"/>
+              </a:ext>
+            </a:extLst>
+          </p:cNvPr>
+          <p:cNvSpPr/>
+          <p:nvPr/>
+        </p:nvSpPr>
+        <p:spPr>
+          <a:xfrm>
+            <a:off x="3232652" y="4367792"/>
+            <a:ext cx="177553" cy="91451"/>
+          </a:xfrm>
+          <a:prstGeom prst="downArrow">
+            <a:avLst/>
+          </a:prstGeom>
+        </p:spPr>
+        <p:style>
+          <a:lnRef idx="2">
+            <a:schemeClr val="accent6">
+              <a:shade val="50000"/>
+            </a:schemeClr>
+          </a:lnRef>
+          <a:fillRef idx="1">
+            <a:schemeClr val="accent6"/>
+          </a:fillRef>
+          <a:effectRef idx="0">
+            <a:schemeClr val="accent6"/>
+          </a:effectRef>
+          <a:fontRef idx="minor">
+            <a:schemeClr val="lt1"/>
+          </a:fontRef>
+        </p:style>
+        <p:txBody>
+          <a:bodyPr rtlCol="0" anchor="ctr"/>
+          <a:lstStyle/>
+          <a:p>
+            <a:pPr algn="ctr"/>
+            <a:endParaRPr lang="tr-TR"/>
+          </a:p>
+        </p:txBody>
+      </p:sp>
+      <p:sp>
+        <p:nvSpPr>
+          <p:cNvPr id="56" name="Metin kutusu 55">
+            <a:extLst>
+              <a:ext uri="{FF2B5EF4-FFF2-40B4-BE49-F238E27FC236}">
+                <a16:creationId xmlns:a16="http://schemas.microsoft.com/office/drawing/2014/main" id="{FD410FBA-7ACC-4B5D-8849-B6E8F1E0F7B4}"/>
+              </a:ext>
+            </a:extLst>
+          </p:cNvPr>
+          <p:cNvSpPr txBox="1"/>
+          <p:nvPr/>
+        </p:nvSpPr>
+        <p:spPr>
+          <a:xfrm>
+            <a:off x="927499" y="4249213"/>
+            <a:ext cx="245580" cy="307777"/>
+          </a:xfrm>
+          <a:prstGeom prst="rect">
+            <a:avLst/>
+          </a:prstGeom>
+          <a:noFill/>
+        </p:spPr>
+        <p:txBody>
+          <a:bodyPr wrap="none" rtlCol="0">
+            <a:spAutoFit/>
+          </a:bodyPr>
+          <a:lstStyle/>
+          <a:p>
+            <a:r>
+              <a:rPr lang="tr-TR" sz="1400" dirty="0"/>
+              <a:t>t</a:t>
+            </a:r>
+          </a:p>
+        </p:txBody>
+      </p:sp>
+      <p:sp>
+        <p:nvSpPr>
+          <p:cNvPr id="78" name="Metin kutusu 77">
+            <a:extLst>
+              <a:ext uri="{FF2B5EF4-FFF2-40B4-BE49-F238E27FC236}">
+                <a16:creationId xmlns:a16="http://schemas.microsoft.com/office/drawing/2014/main" id="{C2E2650C-CE5C-47A0-8367-593DD1270DCC}"/>
+              </a:ext>
+            </a:extLst>
+          </p:cNvPr>
+          <p:cNvSpPr txBox="1"/>
+          <p:nvPr/>
+        </p:nvSpPr>
+        <p:spPr>
+          <a:xfrm>
+            <a:off x="2049490" y="4253351"/>
+            <a:ext cx="426720" cy="307777"/>
+          </a:xfrm>
+          <a:prstGeom prst="rect">
+            <a:avLst/>
+          </a:prstGeom>
+          <a:noFill/>
+        </p:spPr>
+        <p:txBody>
+          <a:bodyPr wrap="none" rtlCol="0">
+            <a:spAutoFit/>
+          </a:bodyPr>
+          <a:lstStyle/>
+          <a:p>
+            <a:r>
+              <a:rPr lang="tr-TR" sz="1400" dirty="0"/>
+              <a:t>t+1</a:t>
+            </a:r>
+          </a:p>
+        </p:txBody>
+      </p:sp>
+      <p:sp>
+        <p:nvSpPr>
+          <p:cNvPr id="122" name="Metin kutusu 121">
+            <a:extLst>
+              <a:ext uri="{FF2B5EF4-FFF2-40B4-BE49-F238E27FC236}">
+                <a16:creationId xmlns:a16="http://schemas.microsoft.com/office/drawing/2014/main" id="{17648D6E-7B3C-4754-B27F-F7DECA180583}"/>
+              </a:ext>
+            </a:extLst>
+          </p:cNvPr>
+          <p:cNvSpPr txBox="1"/>
+          <p:nvPr/>
+        </p:nvSpPr>
+        <p:spPr>
+          <a:xfrm>
+            <a:off x="3415898" y="4241403"/>
+            <a:ext cx="429926" cy="307777"/>
+          </a:xfrm>
+          <a:prstGeom prst="rect">
+            <a:avLst/>
+          </a:prstGeom>
+          <a:noFill/>
+        </p:spPr>
+        <p:txBody>
+          <a:bodyPr wrap="none" rtlCol="0">
+            <a:spAutoFit/>
+          </a:bodyPr>
+          <a:lstStyle/>
+          <a:p>
+            <a:r>
+              <a:rPr lang="tr-TR" sz="1400" dirty="0" err="1"/>
+              <a:t>t+n</a:t>
+            </a:r>
+            <a:endParaRPr lang="tr-TR" sz="1400" dirty="0"/>
           </a:p>
         </p:txBody>
       </p:sp>
